--- a/slide/chap6.pptx
+++ b/slide/chap6.pptx
@@ -3987,7 +3987,13 @@
           <p:nvPr/>
         </p:nvPicPr>
         <p:blipFill>
-          <a:blip r:embed="rId2"/>
+          <a:blip r:embed="rId2" cstate="screen">
+            <a:extLst>
+              <a:ext uri="{28A0092B-C50C-407E-A947-70E740481C1C}">
+                <a14:useLocalDpi xmlns:a14="http://schemas.microsoft.com/office/drawing/2010/main"/>
+              </a:ext>
+            </a:extLst>
+          </a:blip>
           <a:stretch>
             <a:fillRect/>
           </a:stretch>
@@ -4017,7 +4023,13 @@
           <p:nvPr/>
         </p:nvPicPr>
         <p:blipFill>
-          <a:blip r:embed="rId3"/>
+          <a:blip r:embed="rId3" cstate="screen">
+            <a:extLst>
+              <a:ext uri="{28A0092B-C50C-407E-A947-70E740481C1C}">
+                <a14:useLocalDpi xmlns:a14="http://schemas.microsoft.com/office/drawing/2010/main"/>
+              </a:ext>
+            </a:extLst>
+          </a:blip>
           <a:stretch>
             <a:fillRect/>
           </a:stretch>
@@ -6579,7 +6591,13 @@
           <p:nvPr/>
         </p:nvPicPr>
         <p:blipFill>
-          <a:blip r:embed="rId2"/>
+          <a:blip r:embed="rId2" cstate="screen">
+            <a:extLst>
+              <a:ext uri="{28A0092B-C50C-407E-A947-70E740481C1C}">
+                <a14:useLocalDpi xmlns:a14="http://schemas.microsoft.com/office/drawing/2010/main"/>
+              </a:ext>
+            </a:extLst>
+          </a:blip>
           <a:stretch>
             <a:fillRect/>
           </a:stretch>
@@ -10614,7 +10632,7 @@
           <a:blip r:embed="rId2">
             <a:extLst>
               <a:ext uri="{28A0092B-C50C-407E-A947-70E740481C1C}">
-                <a14:useLocalDpi xmlns:a14="http://schemas.microsoft.com/office/drawing/2010/main" val="0"/>
+                <a14:useLocalDpi xmlns:a14="http://schemas.microsoft.com/office/drawing/2010/main"/>
               </a:ext>
               <a:ext uri="{96DAC541-7B7A-43D3-8B79-37D633B846F1}">
                 <asvg:svgBlip xmlns:asvg="http://schemas.microsoft.com/office/drawing/2016/SVG/main" r:embed="rId3"/>
@@ -10653,7 +10671,7 @@
           <a:blip r:embed="rId2">
             <a:extLst>
               <a:ext uri="{28A0092B-C50C-407E-A947-70E740481C1C}">
-                <a14:useLocalDpi xmlns:a14="http://schemas.microsoft.com/office/drawing/2010/main" val="0"/>
+                <a14:useLocalDpi xmlns:a14="http://schemas.microsoft.com/office/drawing/2010/main"/>
               </a:ext>
               <a:ext uri="{96DAC541-7B7A-43D3-8B79-37D633B846F1}">
                 <asvg:svgBlip xmlns:asvg="http://schemas.microsoft.com/office/drawing/2016/SVG/main" r:embed="rId3"/>
@@ -10692,7 +10710,7 @@
           <a:blip r:embed="rId2">
             <a:extLst>
               <a:ext uri="{28A0092B-C50C-407E-A947-70E740481C1C}">
-                <a14:useLocalDpi xmlns:a14="http://schemas.microsoft.com/office/drawing/2010/main" val="0"/>
+                <a14:useLocalDpi xmlns:a14="http://schemas.microsoft.com/office/drawing/2010/main"/>
               </a:ext>
               <a:ext uri="{96DAC541-7B7A-43D3-8B79-37D633B846F1}">
                 <asvg:svgBlip xmlns:asvg="http://schemas.microsoft.com/office/drawing/2016/SVG/main" r:embed="rId3"/>
@@ -10731,7 +10749,7 @@
           <a:blip r:embed="rId4">
             <a:extLst>
               <a:ext uri="{28A0092B-C50C-407E-A947-70E740481C1C}">
-                <a14:useLocalDpi xmlns:a14="http://schemas.microsoft.com/office/drawing/2010/main" val="0"/>
+                <a14:useLocalDpi xmlns:a14="http://schemas.microsoft.com/office/drawing/2010/main"/>
               </a:ext>
               <a:ext uri="{96DAC541-7B7A-43D3-8B79-37D633B846F1}">
                 <asvg:svgBlip xmlns:asvg="http://schemas.microsoft.com/office/drawing/2016/SVG/main" r:embed="rId5"/>
@@ -10770,7 +10788,7 @@
           <a:blip r:embed="rId6">
             <a:extLst>
               <a:ext uri="{28A0092B-C50C-407E-A947-70E740481C1C}">
-                <a14:useLocalDpi xmlns:a14="http://schemas.microsoft.com/office/drawing/2010/main" val="0"/>
+                <a14:useLocalDpi xmlns:a14="http://schemas.microsoft.com/office/drawing/2010/main"/>
               </a:ext>
               <a:ext uri="{96DAC541-7B7A-43D3-8B79-37D633B846F1}">
                 <asvg:svgBlip xmlns:asvg="http://schemas.microsoft.com/office/drawing/2016/SVG/main" r:embed="rId7"/>
@@ -10895,7 +10913,7 @@
           <a:blip r:embed="rId8">
             <a:extLst>
               <a:ext uri="{28A0092B-C50C-407E-A947-70E740481C1C}">
-                <a14:useLocalDpi xmlns:a14="http://schemas.microsoft.com/office/drawing/2010/main" val="0"/>
+                <a14:useLocalDpi xmlns:a14="http://schemas.microsoft.com/office/drawing/2010/main"/>
               </a:ext>
               <a:ext uri="{96DAC541-7B7A-43D3-8B79-37D633B846F1}">
                 <asvg:svgBlip xmlns:asvg="http://schemas.microsoft.com/office/drawing/2016/SVG/main" r:embed="rId9"/>
@@ -10934,7 +10952,7 @@
           <a:blip r:embed="rId10">
             <a:extLst>
               <a:ext uri="{28A0092B-C50C-407E-A947-70E740481C1C}">
-                <a14:useLocalDpi xmlns:a14="http://schemas.microsoft.com/office/drawing/2010/main" val="0"/>
+                <a14:useLocalDpi xmlns:a14="http://schemas.microsoft.com/office/drawing/2010/main"/>
               </a:ext>
               <a:ext uri="{96DAC541-7B7A-43D3-8B79-37D633B846F1}">
                 <asvg:svgBlip xmlns:asvg="http://schemas.microsoft.com/office/drawing/2016/SVG/main" r:embed="rId11"/>
